--- a/ppt 16-9/0535.当趁着今日.pptx
+++ b/ppt 16-9/0535.当趁着今日.pptx
@@ -129,7 +129,7 @@
           <p:cNvPr id="2" name="标题 1">
             <a:extLst>
               <a:ext uri="{FF2B5EF4-FFF2-40B4-BE49-F238E27FC236}">
-                <a16:creationId xmlns:a16="http://schemas.microsoft.com/office/drawing/2014/main" id="{581A5DEC-AFC2-1A91-6B1B-0933482A1778}"/>
+                <a16:creationId xmlns:a16="http://schemas.microsoft.com/office/drawing/2014/main" id="{64EBD810-AD7A-FB8A-9970-7D1541B63A24}"/>
               </a:ext>
             </a:extLst>
           </p:cNvPr>
@@ -166,7 +166,7 @@
           <p:cNvPr id="3" name="副标题 2">
             <a:extLst>
               <a:ext uri="{FF2B5EF4-FFF2-40B4-BE49-F238E27FC236}">
-                <a16:creationId xmlns:a16="http://schemas.microsoft.com/office/drawing/2014/main" id="{28330F39-AB1A-FF28-2FE6-5EEFDE0B2BBC}"/>
+                <a16:creationId xmlns:a16="http://schemas.microsoft.com/office/drawing/2014/main" id="{3308D91A-167B-5A95-CAEE-DE6D227ABB48}"/>
               </a:ext>
             </a:extLst>
           </p:cNvPr>
@@ -236,7 +236,7 @@
           <p:cNvPr id="4" name="日期占位符 3">
             <a:extLst>
               <a:ext uri="{FF2B5EF4-FFF2-40B4-BE49-F238E27FC236}">
-                <a16:creationId xmlns:a16="http://schemas.microsoft.com/office/drawing/2014/main" id="{450F175F-167D-E78E-6C9B-F70C4F845ED0}"/>
+                <a16:creationId xmlns:a16="http://schemas.microsoft.com/office/drawing/2014/main" id="{8D45E7D6-55DD-3561-8B4F-CAC7E4C95B80}"/>
               </a:ext>
             </a:extLst>
           </p:cNvPr>
@@ -252,7 +252,7 @@
           <a:bodyPr/>
           <a:lstStyle/>
           <a:p>
-            <a:fld id="{11BFF21C-886F-4E84-BE82-9694B870B5E8}" type="datetimeFigureOut">
+            <a:fld id="{5ECF695A-8C97-4624-ADBF-2474E66C3EE3}" type="datetimeFigureOut">
               <a:rPr lang="zh-CN" altLang="en-US" smtClean="0"/>
               <a:t>2024/3/10</a:t>
             </a:fld>
@@ -265,7 +265,7 @@
           <p:cNvPr id="5" name="页脚占位符 4">
             <a:extLst>
               <a:ext uri="{FF2B5EF4-FFF2-40B4-BE49-F238E27FC236}">
-                <a16:creationId xmlns:a16="http://schemas.microsoft.com/office/drawing/2014/main" id="{625D2883-E51D-CD36-D182-F7794DCE05B6}"/>
+                <a16:creationId xmlns:a16="http://schemas.microsoft.com/office/drawing/2014/main" id="{9A4413DB-E49C-7D21-81DF-EAD26D258D4B}"/>
               </a:ext>
             </a:extLst>
           </p:cNvPr>
@@ -290,7 +290,7 @@
           <p:cNvPr id="6" name="灯片编号占位符 5">
             <a:extLst>
               <a:ext uri="{FF2B5EF4-FFF2-40B4-BE49-F238E27FC236}">
-                <a16:creationId xmlns:a16="http://schemas.microsoft.com/office/drawing/2014/main" id="{4843ABCA-444C-6795-7B3F-4F0A6E60F90E}"/>
+                <a16:creationId xmlns:a16="http://schemas.microsoft.com/office/drawing/2014/main" id="{61B1EF30-B0D8-AC9F-2323-3C509A2A39A6}"/>
               </a:ext>
             </a:extLst>
           </p:cNvPr>
@@ -306,7 +306,7 @@
           <a:bodyPr/>
           <a:lstStyle/>
           <a:p>
-            <a:fld id="{83499626-8133-4296-9E27-4B19B1233D12}" type="slidenum">
+            <a:fld id="{2BA2392F-79BF-4E1C-8C99-EAC1B211FDE8}" type="slidenum">
               <a:rPr lang="zh-CN" altLang="en-US" smtClean="0"/>
               <a:t>‹#›</a:t>
             </a:fld>
@@ -317,7 +317,7 @@
     </p:spTree>
     <p:extLst>
       <p:ext uri="{BB962C8B-B14F-4D97-AF65-F5344CB8AC3E}">
-        <p14:creationId xmlns:p14="http://schemas.microsoft.com/office/powerpoint/2010/main" val="491343784"/>
+        <p14:creationId xmlns:p14="http://schemas.microsoft.com/office/powerpoint/2010/main" val="2077803999"/>
       </p:ext>
     </p:extLst>
   </p:cSld>
@@ -349,7 +349,7 @@
           <p:cNvPr id="2" name="标题 1">
             <a:extLst>
               <a:ext uri="{FF2B5EF4-FFF2-40B4-BE49-F238E27FC236}">
-                <a16:creationId xmlns:a16="http://schemas.microsoft.com/office/drawing/2014/main" id="{BCA1CF6F-07A7-2B4E-F2C8-AEC7712D281D}"/>
+                <a16:creationId xmlns:a16="http://schemas.microsoft.com/office/drawing/2014/main" id="{1C6F6DEE-CBD9-3C4B-B3B9-528A7215AA94}"/>
               </a:ext>
             </a:extLst>
           </p:cNvPr>
@@ -377,7 +377,7 @@
           <p:cNvPr id="3" name="竖排文字占位符 2">
             <a:extLst>
               <a:ext uri="{FF2B5EF4-FFF2-40B4-BE49-F238E27FC236}">
-                <a16:creationId xmlns:a16="http://schemas.microsoft.com/office/drawing/2014/main" id="{95E2B700-A341-7F02-5801-0832FAA9E546}"/>
+                <a16:creationId xmlns:a16="http://schemas.microsoft.com/office/drawing/2014/main" id="{07DA9A05-8FDE-88D7-EEF7-870B30901C7E}"/>
               </a:ext>
             </a:extLst>
           </p:cNvPr>
@@ -434,7 +434,7 @@
           <p:cNvPr id="4" name="日期占位符 3">
             <a:extLst>
               <a:ext uri="{FF2B5EF4-FFF2-40B4-BE49-F238E27FC236}">
-                <a16:creationId xmlns:a16="http://schemas.microsoft.com/office/drawing/2014/main" id="{DF842D4D-4827-DE53-496C-EE68AE9B38F2}"/>
+                <a16:creationId xmlns:a16="http://schemas.microsoft.com/office/drawing/2014/main" id="{F380040F-937F-2F94-B4C7-6DE03D971F84}"/>
               </a:ext>
             </a:extLst>
           </p:cNvPr>
@@ -450,7 +450,7 @@
           <a:bodyPr/>
           <a:lstStyle/>
           <a:p>
-            <a:fld id="{11BFF21C-886F-4E84-BE82-9694B870B5E8}" type="datetimeFigureOut">
+            <a:fld id="{5ECF695A-8C97-4624-ADBF-2474E66C3EE3}" type="datetimeFigureOut">
               <a:rPr lang="zh-CN" altLang="en-US" smtClean="0"/>
               <a:t>2024/3/10</a:t>
             </a:fld>
@@ -463,7 +463,7 @@
           <p:cNvPr id="5" name="页脚占位符 4">
             <a:extLst>
               <a:ext uri="{FF2B5EF4-FFF2-40B4-BE49-F238E27FC236}">
-                <a16:creationId xmlns:a16="http://schemas.microsoft.com/office/drawing/2014/main" id="{7F27ED53-21A5-9F05-55C7-45DADCD75A32}"/>
+                <a16:creationId xmlns:a16="http://schemas.microsoft.com/office/drawing/2014/main" id="{B3501408-7416-433B-59AD-7B8B77ED84DB}"/>
               </a:ext>
             </a:extLst>
           </p:cNvPr>
@@ -488,7 +488,7 @@
           <p:cNvPr id="6" name="灯片编号占位符 5">
             <a:extLst>
               <a:ext uri="{FF2B5EF4-FFF2-40B4-BE49-F238E27FC236}">
-                <a16:creationId xmlns:a16="http://schemas.microsoft.com/office/drawing/2014/main" id="{D3B3268F-EE46-4EA5-294E-C5826E3A647B}"/>
+                <a16:creationId xmlns:a16="http://schemas.microsoft.com/office/drawing/2014/main" id="{B374CEE8-FB92-E979-BF39-E872DAF869BD}"/>
               </a:ext>
             </a:extLst>
           </p:cNvPr>
@@ -504,7 +504,7 @@
           <a:bodyPr/>
           <a:lstStyle/>
           <a:p>
-            <a:fld id="{83499626-8133-4296-9E27-4B19B1233D12}" type="slidenum">
+            <a:fld id="{2BA2392F-79BF-4E1C-8C99-EAC1B211FDE8}" type="slidenum">
               <a:rPr lang="zh-CN" altLang="en-US" smtClean="0"/>
               <a:t>‹#›</a:t>
             </a:fld>
@@ -515,7 +515,7 @@
     </p:spTree>
     <p:extLst>
       <p:ext uri="{BB962C8B-B14F-4D97-AF65-F5344CB8AC3E}">
-        <p14:creationId xmlns:p14="http://schemas.microsoft.com/office/powerpoint/2010/main" val="1359440357"/>
+        <p14:creationId xmlns:p14="http://schemas.microsoft.com/office/powerpoint/2010/main" val="2985717433"/>
       </p:ext>
     </p:extLst>
   </p:cSld>
@@ -547,7 +547,7 @@
           <p:cNvPr id="2" name="竖排标题 1">
             <a:extLst>
               <a:ext uri="{FF2B5EF4-FFF2-40B4-BE49-F238E27FC236}">
-                <a16:creationId xmlns:a16="http://schemas.microsoft.com/office/drawing/2014/main" id="{09F5AD3A-FB7F-3448-FFCA-4B30E5F2542E}"/>
+                <a16:creationId xmlns:a16="http://schemas.microsoft.com/office/drawing/2014/main" id="{ACFA5F7E-7206-E637-4C18-7F7C7FA2AADD}"/>
               </a:ext>
             </a:extLst>
           </p:cNvPr>
@@ -580,7 +580,7 @@
           <p:cNvPr id="3" name="竖排文字占位符 2">
             <a:extLst>
               <a:ext uri="{FF2B5EF4-FFF2-40B4-BE49-F238E27FC236}">
-                <a16:creationId xmlns:a16="http://schemas.microsoft.com/office/drawing/2014/main" id="{99B32674-A918-E846-5A10-7E0D9CD24422}"/>
+                <a16:creationId xmlns:a16="http://schemas.microsoft.com/office/drawing/2014/main" id="{A514EC3A-D6B2-6BD8-2621-884D7386F804}"/>
               </a:ext>
             </a:extLst>
           </p:cNvPr>
@@ -642,7 +642,7 @@
           <p:cNvPr id="4" name="日期占位符 3">
             <a:extLst>
               <a:ext uri="{FF2B5EF4-FFF2-40B4-BE49-F238E27FC236}">
-                <a16:creationId xmlns:a16="http://schemas.microsoft.com/office/drawing/2014/main" id="{8D950F7C-5919-12A5-5520-9CC84CCDD14D}"/>
+                <a16:creationId xmlns:a16="http://schemas.microsoft.com/office/drawing/2014/main" id="{D7FC7E9C-E882-176E-0CBB-78AB9134CF1D}"/>
               </a:ext>
             </a:extLst>
           </p:cNvPr>
@@ -658,7 +658,7 @@
           <a:bodyPr/>
           <a:lstStyle/>
           <a:p>
-            <a:fld id="{11BFF21C-886F-4E84-BE82-9694B870B5E8}" type="datetimeFigureOut">
+            <a:fld id="{5ECF695A-8C97-4624-ADBF-2474E66C3EE3}" type="datetimeFigureOut">
               <a:rPr lang="zh-CN" altLang="en-US" smtClean="0"/>
               <a:t>2024/3/10</a:t>
             </a:fld>
@@ -671,7 +671,7 @@
           <p:cNvPr id="5" name="页脚占位符 4">
             <a:extLst>
               <a:ext uri="{FF2B5EF4-FFF2-40B4-BE49-F238E27FC236}">
-                <a16:creationId xmlns:a16="http://schemas.microsoft.com/office/drawing/2014/main" id="{6B968EDE-5739-1ABA-512B-56D05CA057B2}"/>
+                <a16:creationId xmlns:a16="http://schemas.microsoft.com/office/drawing/2014/main" id="{89186032-C49D-2124-2E5D-BECB99F9010B}"/>
               </a:ext>
             </a:extLst>
           </p:cNvPr>
@@ -696,7 +696,7 @@
           <p:cNvPr id="6" name="灯片编号占位符 5">
             <a:extLst>
               <a:ext uri="{FF2B5EF4-FFF2-40B4-BE49-F238E27FC236}">
-                <a16:creationId xmlns:a16="http://schemas.microsoft.com/office/drawing/2014/main" id="{1CE8B74E-25DC-3B27-E473-5EE504D1CA66}"/>
+                <a16:creationId xmlns:a16="http://schemas.microsoft.com/office/drawing/2014/main" id="{C70A0DDD-3C9B-DB0C-BF96-9AB37D2B66D6}"/>
               </a:ext>
             </a:extLst>
           </p:cNvPr>
@@ -712,7 +712,7 @@
           <a:bodyPr/>
           <a:lstStyle/>
           <a:p>
-            <a:fld id="{83499626-8133-4296-9E27-4B19B1233D12}" type="slidenum">
+            <a:fld id="{2BA2392F-79BF-4E1C-8C99-EAC1B211FDE8}" type="slidenum">
               <a:rPr lang="zh-CN" altLang="en-US" smtClean="0"/>
               <a:t>‹#›</a:t>
             </a:fld>
@@ -723,7 +723,7 @@
     </p:spTree>
     <p:extLst>
       <p:ext uri="{BB962C8B-B14F-4D97-AF65-F5344CB8AC3E}">
-        <p14:creationId xmlns:p14="http://schemas.microsoft.com/office/powerpoint/2010/main" val="836947335"/>
+        <p14:creationId xmlns:p14="http://schemas.microsoft.com/office/powerpoint/2010/main" val="3653126791"/>
       </p:ext>
     </p:extLst>
   </p:cSld>
@@ -755,7 +755,7 @@
           <p:cNvPr id="2" name="标题 1">
             <a:extLst>
               <a:ext uri="{FF2B5EF4-FFF2-40B4-BE49-F238E27FC236}">
-                <a16:creationId xmlns:a16="http://schemas.microsoft.com/office/drawing/2014/main" id="{530C48D3-2DF3-2583-6E46-9D00AA76527F}"/>
+                <a16:creationId xmlns:a16="http://schemas.microsoft.com/office/drawing/2014/main" id="{BBCEED4C-B210-2707-4C01-EAD78F265152}"/>
               </a:ext>
             </a:extLst>
           </p:cNvPr>
@@ -783,7 +783,7 @@
           <p:cNvPr id="3" name="内容占位符 2">
             <a:extLst>
               <a:ext uri="{FF2B5EF4-FFF2-40B4-BE49-F238E27FC236}">
-                <a16:creationId xmlns:a16="http://schemas.microsoft.com/office/drawing/2014/main" id="{2E7E360D-C8CF-2919-D002-3DA8468670BB}"/>
+                <a16:creationId xmlns:a16="http://schemas.microsoft.com/office/drawing/2014/main" id="{846D49F2-598E-4277-23AD-FF741A9732F7}"/>
               </a:ext>
             </a:extLst>
           </p:cNvPr>
@@ -840,7 +840,7 @@
           <p:cNvPr id="4" name="日期占位符 3">
             <a:extLst>
               <a:ext uri="{FF2B5EF4-FFF2-40B4-BE49-F238E27FC236}">
-                <a16:creationId xmlns:a16="http://schemas.microsoft.com/office/drawing/2014/main" id="{BA3B9DEF-5C16-6FF8-B3CA-7C82D5D6132A}"/>
+                <a16:creationId xmlns:a16="http://schemas.microsoft.com/office/drawing/2014/main" id="{3504B9D0-E8D5-3957-0EFD-3BB26AE9D445}"/>
               </a:ext>
             </a:extLst>
           </p:cNvPr>
@@ -856,7 +856,7 @@
           <a:bodyPr/>
           <a:lstStyle/>
           <a:p>
-            <a:fld id="{11BFF21C-886F-4E84-BE82-9694B870B5E8}" type="datetimeFigureOut">
+            <a:fld id="{5ECF695A-8C97-4624-ADBF-2474E66C3EE3}" type="datetimeFigureOut">
               <a:rPr lang="zh-CN" altLang="en-US" smtClean="0"/>
               <a:t>2024/3/10</a:t>
             </a:fld>
@@ -869,7 +869,7 @@
           <p:cNvPr id="5" name="页脚占位符 4">
             <a:extLst>
               <a:ext uri="{FF2B5EF4-FFF2-40B4-BE49-F238E27FC236}">
-                <a16:creationId xmlns:a16="http://schemas.microsoft.com/office/drawing/2014/main" id="{FF4F7F6C-F7C7-6FF0-F6D1-29B17B1A7657}"/>
+                <a16:creationId xmlns:a16="http://schemas.microsoft.com/office/drawing/2014/main" id="{BDE3829C-0710-C87B-0D57-DC2392556B3D}"/>
               </a:ext>
             </a:extLst>
           </p:cNvPr>
@@ -894,7 +894,7 @@
           <p:cNvPr id="6" name="灯片编号占位符 5">
             <a:extLst>
               <a:ext uri="{FF2B5EF4-FFF2-40B4-BE49-F238E27FC236}">
-                <a16:creationId xmlns:a16="http://schemas.microsoft.com/office/drawing/2014/main" id="{602C9BF5-10D4-1330-1A58-EC26954AE93D}"/>
+                <a16:creationId xmlns:a16="http://schemas.microsoft.com/office/drawing/2014/main" id="{48037B47-4EDD-6BD5-7696-73582F9A91FA}"/>
               </a:ext>
             </a:extLst>
           </p:cNvPr>
@@ -910,7 +910,7 @@
           <a:bodyPr/>
           <a:lstStyle/>
           <a:p>
-            <a:fld id="{83499626-8133-4296-9E27-4B19B1233D12}" type="slidenum">
+            <a:fld id="{2BA2392F-79BF-4E1C-8C99-EAC1B211FDE8}" type="slidenum">
               <a:rPr lang="zh-CN" altLang="en-US" smtClean="0"/>
               <a:t>‹#›</a:t>
             </a:fld>
@@ -921,7 +921,7 @@
     </p:spTree>
     <p:extLst>
       <p:ext uri="{BB962C8B-B14F-4D97-AF65-F5344CB8AC3E}">
-        <p14:creationId xmlns:p14="http://schemas.microsoft.com/office/powerpoint/2010/main" val="61822849"/>
+        <p14:creationId xmlns:p14="http://schemas.microsoft.com/office/powerpoint/2010/main" val="1971070032"/>
       </p:ext>
     </p:extLst>
   </p:cSld>
@@ -953,7 +953,7 @@
           <p:cNvPr id="2" name="标题 1">
             <a:extLst>
               <a:ext uri="{FF2B5EF4-FFF2-40B4-BE49-F238E27FC236}">
-                <a16:creationId xmlns:a16="http://schemas.microsoft.com/office/drawing/2014/main" id="{84D55E6F-D6FE-59C2-717B-E61849D17A87}"/>
+                <a16:creationId xmlns:a16="http://schemas.microsoft.com/office/drawing/2014/main" id="{4E6DD306-CE2E-E34F-3F9A-707EDD3DD216}"/>
               </a:ext>
             </a:extLst>
           </p:cNvPr>
@@ -990,7 +990,7 @@
           <p:cNvPr id="3" name="文本占位符 2">
             <a:extLst>
               <a:ext uri="{FF2B5EF4-FFF2-40B4-BE49-F238E27FC236}">
-                <a16:creationId xmlns:a16="http://schemas.microsoft.com/office/drawing/2014/main" id="{CF571796-588A-DEA3-99D2-B96E864426B4}"/>
+                <a16:creationId xmlns:a16="http://schemas.microsoft.com/office/drawing/2014/main" id="{AC02435E-180A-26B7-9DEB-70B83C6B8D93}"/>
               </a:ext>
             </a:extLst>
           </p:cNvPr>
@@ -1115,7 +1115,7 @@
           <p:cNvPr id="4" name="日期占位符 3">
             <a:extLst>
               <a:ext uri="{FF2B5EF4-FFF2-40B4-BE49-F238E27FC236}">
-                <a16:creationId xmlns:a16="http://schemas.microsoft.com/office/drawing/2014/main" id="{1DAD1484-B4BD-68D5-AF4B-BC35AF8FDB44}"/>
+                <a16:creationId xmlns:a16="http://schemas.microsoft.com/office/drawing/2014/main" id="{443C8CD9-3519-C9D5-4E4C-A6EEDAF5022E}"/>
               </a:ext>
             </a:extLst>
           </p:cNvPr>
@@ -1131,7 +1131,7 @@
           <a:bodyPr/>
           <a:lstStyle/>
           <a:p>
-            <a:fld id="{11BFF21C-886F-4E84-BE82-9694B870B5E8}" type="datetimeFigureOut">
+            <a:fld id="{5ECF695A-8C97-4624-ADBF-2474E66C3EE3}" type="datetimeFigureOut">
               <a:rPr lang="zh-CN" altLang="en-US" smtClean="0"/>
               <a:t>2024/3/10</a:t>
             </a:fld>
@@ -1144,7 +1144,7 @@
           <p:cNvPr id="5" name="页脚占位符 4">
             <a:extLst>
               <a:ext uri="{FF2B5EF4-FFF2-40B4-BE49-F238E27FC236}">
-                <a16:creationId xmlns:a16="http://schemas.microsoft.com/office/drawing/2014/main" id="{A4F0504E-A032-6825-9AD6-092B69DD75E2}"/>
+                <a16:creationId xmlns:a16="http://schemas.microsoft.com/office/drawing/2014/main" id="{DC731EA6-C061-49E6-FCFC-6AC4F053340F}"/>
               </a:ext>
             </a:extLst>
           </p:cNvPr>
@@ -1169,7 +1169,7 @@
           <p:cNvPr id="6" name="灯片编号占位符 5">
             <a:extLst>
               <a:ext uri="{FF2B5EF4-FFF2-40B4-BE49-F238E27FC236}">
-                <a16:creationId xmlns:a16="http://schemas.microsoft.com/office/drawing/2014/main" id="{FF216F32-E49F-5705-2CA3-8DCD738D8101}"/>
+                <a16:creationId xmlns:a16="http://schemas.microsoft.com/office/drawing/2014/main" id="{9104A05B-9CC2-2D51-9998-560708F8932C}"/>
               </a:ext>
             </a:extLst>
           </p:cNvPr>
@@ -1185,7 +1185,7 @@
           <a:bodyPr/>
           <a:lstStyle/>
           <a:p>
-            <a:fld id="{83499626-8133-4296-9E27-4B19B1233D12}" type="slidenum">
+            <a:fld id="{2BA2392F-79BF-4E1C-8C99-EAC1B211FDE8}" type="slidenum">
               <a:rPr lang="zh-CN" altLang="en-US" smtClean="0"/>
               <a:t>‹#›</a:t>
             </a:fld>
@@ -1196,7 +1196,7 @@
     </p:spTree>
     <p:extLst>
       <p:ext uri="{BB962C8B-B14F-4D97-AF65-F5344CB8AC3E}">
-        <p14:creationId xmlns:p14="http://schemas.microsoft.com/office/powerpoint/2010/main" val="1825885637"/>
+        <p14:creationId xmlns:p14="http://schemas.microsoft.com/office/powerpoint/2010/main" val="1711454142"/>
       </p:ext>
     </p:extLst>
   </p:cSld>
@@ -1228,7 +1228,7 @@
           <p:cNvPr id="2" name="标题 1">
             <a:extLst>
               <a:ext uri="{FF2B5EF4-FFF2-40B4-BE49-F238E27FC236}">
-                <a16:creationId xmlns:a16="http://schemas.microsoft.com/office/drawing/2014/main" id="{EEE17410-70EA-C73C-9238-7973B487F3DE}"/>
+                <a16:creationId xmlns:a16="http://schemas.microsoft.com/office/drawing/2014/main" id="{8B030D24-87DC-9263-F202-3255FFA4C2DB}"/>
               </a:ext>
             </a:extLst>
           </p:cNvPr>
@@ -1256,7 +1256,7 @@
           <p:cNvPr id="3" name="内容占位符 2">
             <a:extLst>
               <a:ext uri="{FF2B5EF4-FFF2-40B4-BE49-F238E27FC236}">
-                <a16:creationId xmlns:a16="http://schemas.microsoft.com/office/drawing/2014/main" id="{D7D1CDB1-379E-08CA-EBD1-97F6E96ACDB5}"/>
+                <a16:creationId xmlns:a16="http://schemas.microsoft.com/office/drawing/2014/main" id="{AAC8EF40-B2B5-164B-8250-936860E4DAA4}"/>
               </a:ext>
             </a:extLst>
           </p:cNvPr>
@@ -1318,7 +1318,7 @@
           <p:cNvPr id="4" name="内容占位符 3">
             <a:extLst>
               <a:ext uri="{FF2B5EF4-FFF2-40B4-BE49-F238E27FC236}">
-                <a16:creationId xmlns:a16="http://schemas.microsoft.com/office/drawing/2014/main" id="{8E18A284-529F-4048-AA66-697411655D81}"/>
+                <a16:creationId xmlns:a16="http://schemas.microsoft.com/office/drawing/2014/main" id="{C09DF805-61E4-9C32-CBC2-22196D7835F0}"/>
               </a:ext>
             </a:extLst>
           </p:cNvPr>
@@ -1380,7 +1380,7 @@
           <p:cNvPr id="5" name="日期占位符 4">
             <a:extLst>
               <a:ext uri="{FF2B5EF4-FFF2-40B4-BE49-F238E27FC236}">
-                <a16:creationId xmlns:a16="http://schemas.microsoft.com/office/drawing/2014/main" id="{3118E407-4DFB-4DCF-4662-E2D1760AD10A}"/>
+                <a16:creationId xmlns:a16="http://schemas.microsoft.com/office/drawing/2014/main" id="{4084F533-57A4-B06C-55A5-7765109A0127}"/>
               </a:ext>
             </a:extLst>
           </p:cNvPr>
@@ -1396,7 +1396,7 @@
           <a:bodyPr/>
           <a:lstStyle/>
           <a:p>
-            <a:fld id="{11BFF21C-886F-4E84-BE82-9694B870B5E8}" type="datetimeFigureOut">
+            <a:fld id="{5ECF695A-8C97-4624-ADBF-2474E66C3EE3}" type="datetimeFigureOut">
               <a:rPr lang="zh-CN" altLang="en-US" smtClean="0"/>
               <a:t>2024/3/10</a:t>
             </a:fld>
@@ -1409,7 +1409,7 @@
           <p:cNvPr id="6" name="页脚占位符 5">
             <a:extLst>
               <a:ext uri="{FF2B5EF4-FFF2-40B4-BE49-F238E27FC236}">
-                <a16:creationId xmlns:a16="http://schemas.microsoft.com/office/drawing/2014/main" id="{67A73411-31E3-D937-7E37-0EE59CD55FF9}"/>
+                <a16:creationId xmlns:a16="http://schemas.microsoft.com/office/drawing/2014/main" id="{BFC6ADE4-2E9B-B332-9234-9A251D105C35}"/>
               </a:ext>
             </a:extLst>
           </p:cNvPr>
@@ -1434,7 +1434,7 @@
           <p:cNvPr id="7" name="灯片编号占位符 6">
             <a:extLst>
               <a:ext uri="{FF2B5EF4-FFF2-40B4-BE49-F238E27FC236}">
-                <a16:creationId xmlns:a16="http://schemas.microsoft.com/office/drawing/2014/main" id="{DCFAD4D0-CA3B-C8AA-CA21-11071FEE5110}"/>
+                <a16:creationId xmlns:a16="http://schemas.microsoft.com/office/drawing/2014/main" id="{9352EE24-4D8A-0ADC-2E27-485624243A8F}"/>
               </a:ext>
             </a:extLst>
           </p:cNvPr>
@@ -1450,7 +1450,7 @@
           <a:bodyPr/>
           <a:lstStyle/>
           <a:p>
-            <a:fld id="{83499626-8133-4296-9E27-4B19B1233D12}" type="slidenum">
+            <a:fld id="{2BA2392F-79BF-4E1C-8C99-EAC1B211FDE8}" type="slidenum">
               <a:rPr lang="zh-CN" altLang="en-US" smtClean="0"/>
               <a:t>‹#›</a:t>
             </a:fld>
@@ -1461,7 +1461,7 @@
     </p:spTree>
     <p:extLst>
       <p:ext uri="{BB962C8B-B14F-4D97-AF65-F5344CB8AC3E}">
-        <p14:creationId xmlns:p14="http://schemas.microsoft.com/office/powerpoint/2010/main" val="1511559469"/>
+        <p14:creationId xmlns:p14="http://schemas.microsoft.com/office/powerpoint/2010/main" val="2435805316"/>
       </p:ext>
     </p:extLst>
   </p:cSld>
@@ -1493,7 +1493,7 @@
           <p:cNvPr id="2" name="标题 1">
             <a:extLst>
               <a:ext uri="{FF2B5EF4-FFF2-40B4-BE49-F238E27FC236}">
-                <a16:creationId xmlns:a16="http://schemas.microsoft.com/office/drawing/2014/main" id="{B21996A4-EF33-091F-74B7-F5086F9E38F8}"/>
+                <a16:creationId xmlns:a16="http://schemas.microsoft.com/office/drawing/2014/main" id="{9CCC3B8A-B067-81D5-1336-DC27E8AE9CAA}"/>
               </a:ext>
             </a:extLst>
           </p:cNvPr>
@@ -1526,7 +1526,7 @@
           <p:cNvPr id="3" name="文本占位符 2">
             <a:extLst>
               <a:ext uri="{FF2B5EF4-FFF2-40B4-BE49-F238E27FC236}">
-                <a16:creationId xmlns:a16="http://schemas.microsoft.com/office/drawing/2014/main" id="{863914C5-922C-AA38-F49C-285F96701EE3}"/>
+                <a16:creationId xmlns:a16="http://schemas.microsoft.com/office/drawing/2014/main" id="{126F024E-5F5B-6012-F658-CD23219EF064}"/>
               </a:ext>
             </a:extLst>
           </p:cNvPr>
@@ -1597,7 +1597,7 @@
           <p:cNvPr id="4" name="内容占位符 3">
             <a:extLst>
               <a:ext uri="{FF2B5EF4-FFF2-40B4-BE49-F238E27FC236}">
-                <a16:creationId xmlns:a16="http://schemas.microsoft.com/office/drawing/2014/main" id="{0FE49F75-48C8-35BE-6C09-25E03BAD30E7}"/>
+                <a16:creationId xmlns:a16="http://schemas.microsoft.com/office/drawing/2014/main" id="{61D69994-28C7-4563-7CAE-BAA4757AB74F}"/>
               </a:ext>
             </a:extLst>
           </p:cNvPr>
@@ -1659,7 +1659,7 @@
           <p:cNvPr id="5" name="文本占位符 4">
             <a:extLst>
               <a:ext uri="{FF2B5EF4-FFF2-40B4-BE49-F238E27FC236}">
-                <a16:creationId xmlns:a16="http://schemas.microsoft.com/office/drawing/2014/main" id="{CCDCF8A1-0463-48A7-8F29-86D26CAA9A1C}"/>
+                <a16:creationId xmlns:a16="http://schemas.microsoft.com/office/drawing/2014/main" id="{90359210-FF56-3C3A-3C36-4ED8A4AB75BD}"/>
               </a:ext>
             </a:extLst>
           </p:cNvPr>
@@ -1730,7 +1730,7 @@
           <p:cNvPr id="6" name="内容占位符 5">
             <a:extLst>
               <a:ext uri="{FF2B5EF4-FFF2-40B4-BE49-F238E27FC236}">
-                <a16:creationId xmlns:a16="http://schemas.microsoft.com/office/drawing/2014/main" id="{63B14F8C-13AF-B2E2-58DC-B1DD4B931087}"/>
+                <a16:creationId xmlns:a16="http://schemas.microsoft.com/office/drawing/2014/main" id="{C3E54DB0-107F-7424-41A9-70A4580A5439}"/>
               </a:ext>
             </a:extLst>
           </p:cNvPr>
@@ -1792,7 +1792,7 @@
           <p:cNvPr id="7" name="日期占位符 6">
             <a:extLst>
               <a:ext uri="{FF2B5EF4-FFF2-40B4-BE49-F238E27FC236}">
-                <a16:creationId xmlns:a16="http://schemas.microsoft.com/office/drawing/2014/main" id="{9D1F6C15-37CF-0625-D80F-D1A29B6095A7}"/>
+                <a16:creationId xmlns:a16="http://schemas.microsoft.com/office/drawing/2014/main" id="{755FBE66-49DD-ADDF-D946-D88B1B01471A}"/>
               </a:ext>
             </a:extLst>
           </p:cNvPr>
@@ -1808,7 +1808,7 @@
           <a:bodyPr/>
           <a:lstStyle/>
           <a:p>
-            <a:fld id="{11BFF21C-886F-4E84-BE82-9694B870B5E8}" type="datetimeFigureOut">
+            <a:fld id="{5ECF695A-8C97-4624-ADBF-2474E66C3EE3}" type="datetimeFigureOut">
               <a:rPr lang="zh-CN" altLang="en-US" smtClean="0"/>
               <a:t>2024/3/10</a:t>
             </a:fld>
@@ -1821,7 +1821,7 @@
           <p:cNvPr id="8" name="页脚占位符 7">
             <a:extLst>
               <a:ext uri="{FF2B5EF4-FFF2-40B4-BE49-F238E27FC236}">
-                <a16:creationId xmlns:a16="http://schemas.microsoft.com/office/drawing/2014/main" id="{FBD5F552-8283-FBDC-0BB0-19A6508E71B2}"/>
+                <a16:creationId xmlns:a16="http://schemas.microsoft.com/office/drawing/2014/main" id="{03AA0C4D-AE64-2C8D-991B-7D3360E6B29B}"/>
               </a:ext>
             </a:extLst>
           </p:cNvPr>
@@ -1846,7 +1846,7 @@
           <p:cNvPr id="9" name="灯片编号占位符 8">
             <a:extLst>
               <a:ext uri="{FF2B5EF4-FFF2-40B4-BE49-F238E27FC236}">
-                <a16:creationId xmlns:a16="http://schemas.microsoft.com/office/drawing/2014/main" id="{BFBB6549-2A1D-2AA1-894E-9A24E0E49B8D}"/>
+                <a16:creationId xmlns:a16="http://schemas.microsoft.com/office/drawing/2014/main" id="{D01F5EA0-E9E9-B1E2-4DD9-4BC9430E56BF}"/>
               </a:ext>
             </a:extLst>
           </p:cNvPr>
@@ -1862,7 +1862,7 @@
           <a:bodyPr/>
           <a:lstStyle/>
           <a:p>
-            <a:fld id="{83499626-8133-4296-9E27-4B19B1233D12}" type="slidenum">
+            <a:fld id="{2BA2392F-79BF-4E1C-8C99-EAC1B211FDE8}" type="slidenum">
               <a:rPr lang="zh-CN" altLang="en-US" smtClean="0"/>
               <a:t>‹#›</a:t>
             </a:fld>
@@ -1873,7 +1873,7 @@
     </p:spTree>
     <p:extLst>
       <p:ext uri="{BB962C8B-B14F-4D97-AF65-F5344CB8AC3E}">
-        <p14:creationId xmlns:p14="http://schemas.microsoft.com/office/powerpoint/2010/main" val="2757597562"/>
+        <p14:creationId xmlns:p14="http://schemas.microsoft.com/office/powerpoint/2010/main" val="1336822136"/>
       </p:ext>
     </p:extLst>
   </p:cSld>
@@ -1905,7 +1905,7 @@
           <p:cNvPr id="2" name="标题 1">
             <a:extLst>
               <a:ext uri="{FF2B5EF4-FFF2-40B4-BE49-F238E27FC236}">
-                <a16:creationId xmlns:a16="http://schemas.microsoft.com/office/drawing/2014/main" id="{EC618D7A-88E0-FF1C-D9C9-F3238B83A77D}"/>
+                <a16:creationId xmlns:a16="http://schemas.microsoft.com/office/drawing/2014/main" id="{59D755F3-65D6-A998-B226-DA8CD45A4DF2}"/>
               </a:ext>
             </a:extLst>
           </p:cNvPr>
@@ -1933,7 +1933,7 @@
           <p:cNvPr id="3" name="日期占位符 2">
             <a:extLst>
               <a:ext uri="{FF2B5EF4-FFF2-40B4-BE49-F238E27FC236}">
-                <a16:creationId xmlns:a16="http://schemas.microsoft.com/office/drawing/2014/main" id="{DDC38768-D6B9-B8FE-FBDE-848DC8A84756}"/>
+                <a16:creationId xmlns:a16="http://schemas.microsoft.com/office/drawing/2014/main" id="{95C1AC09-4220-3E23-B9F2-5857B82EC167}"/>
               </a:ext>
             </a:extLst>
           </p:cNvPr>
@@ -1949,7 +1949,7 @@
           <a:bodyPr/>
           <a:lstStyle/>
           <a:p>
-            <a:fld id="{11BFF21C-886F-4E84-BE82-9694B870B5E8}" type="datetimeFigureOut">
+            <a:fld id="{5ECF695A-8C97-4624-ADBF-2474E66C3EE3}" type="datetimeFigureOut">
               <a:rPr lang="zh-CN" altLang="en-US" smtClean="0"/>
               <a:t>2024/3/10</a:t>
             </a:fld>
@@ -1962,7 +1962,7 @@
           <p:cNvPr id="4" name="页脚占位符 3">
             <a:extLst>
               <a:ext uri="{FF2B5EF4-FFF2-40B4-BE49-F238E27FC236}">
-                <a16:creationId xmlns:a16="http://schemas.microsoft.com/office/drawing/2014/main" id="{2A8F2CE2-922E-11BB-4E46-87620AE12238}"/>
+                <a16:creationId xmlns:a16="http://schemas.microsoft.com/office/drawing/2014/main" id="{95C6F052-0D10-13FC-ACBF-8B6DFB3F9A9E}"/>
               </a:ext>
             </a:extLst>
           </p:cNvPr>
@@ -1987,7 +1987,7 @@
           <p:cNvPr id="5" name="灯片编号占位符 4">
             <a:extLst>
               <a:ext uri="{FF2B5EF4-FFF2-40B4-BE49-F238E27FC236}">
-                <a16:creationId xmlns:a16="http://schemas.microsoft.com/office/drawing/2014/main" id="{90D297B0-F663-E6F8-A336-BE287FB74B33}"/>
+                <a16:creationId xmlns:a16="http://schemas.microsoft.com/office/drawing/2014/main" id="{23688669-CFD5-89FA-800E-2D8BFA0201D7}"/>
               </a:ext>
             </a:extLst>
           </p:cNvPr>
@@ -2003,7 +2003,7 @@
           <a:bodyPr/>
           <a:lstStyle/>
           <a:p>
-            <a:fld id="{83499626-8133-4296-9E27-4B19B1233D12}" type="slidenum">
+            <a:fld id="{2BA2392F-79BF-4E1C-8C99-EAC1B211FDE8}" type="slidenum">
               <a:rPr lang="zh-CN" altLang="en-US" smtClean="0"/>
               <a:t>‹#›</a:t>
             </a:fld>
@@ -2014,7 +2014,7 @@
     </p:spTree>
     <p:extLst>
       <p:ext uri="{BB962C8B-B14F-4D97-AF65-F5344CB8AC3E}">
-        <p14:creationId xmlns:p14="http://schemas.microsoft.com/office/powerpoint/2010/main" val="2923689022"/>
+        <p14:creationId xmlns:p14="http://schemas.microsoft.com/office/powerpoint/2010/main" val="174577395"/>
       </p:ext>
     </p:extLst>
   </p:cSld>
@@ -2046,7 +2046,7 @@
           <p:cNvPr id="2" name="日期占位符 1">
             <a:extLst>
               <a:ext uri="{FF2B5EF4-FFF2-40B4-BE49-F238E27FC236}">
-                <a16:creationId xmlns:a16="http://schemas.microsoft.com/office/drawing/2014/main" id="{8FC23411-771C-AD9C-B5AA-75C30867722A}"/>
+                <a16:creationId xmlns:a16="http://schemas.microsoft.com/office/drawing/2014/main" id="{114C721B-D36B-3B42-7878-69399B294580}"/>
               </a:ext>
             </a:extLst>
           </p:cNvPr>
@@ -2062,7 +2062,7 @@
           <a:bodyPr/>
           <a:lstStyle/>
           <a:p>
-            <a:fld id="{11BFF21C-886F-4E84-BE82-9694B870B5E8}" type="datetimeFigureOut">
+            <a:fld id="{5ECF695A-8C97-4624-ADBF-2474E66C3EE3}" type="datetimeFigureOut">
               <a:rPr lang="zh-CN" altLang="en-US" smtClean="0"/>
               <a:t>2024/3/10</a:t>
             </a:fld>
@@ -2075,7 +2075,7 @@
           <p:cNvPr id="3" name="页脚占位符 2">
             <a:extLst>
               <a:ext uri="{FF2B5EF4-FFF2-40B4-BE49-F238E27FC236}">
-                <a16:creationId xmlns:a16="http://schemas.microsoft.com/office/drawing/2014/main" id="{5127F6B8-C0B2-59D2-83CE-B54D4568626E}"/>
+                <a16:creationId xmlns:a16="http://schemas.microsoft.com/office/drawing/2014/main" id="{78BE6629-12CA-DF7D-1215-097D3B2BC697}"/>
               </a:ext>
             </a:extLst>
           </p:cNvPr>
@@ -2100,7 +2100,7 @@
           <p:cNvPr id="4" name="灯片编号占位符 3">
             <a:extLst>
               <a:ext uri="{FF2B5EF4-FFF2-40B4-BE49-F238E27FC236}">
-                <a16:creationId xmlns:a16="http://schemas.microsoft.com/office/drawing/2014/main" id="{012BA1A8-7CF2-3351-55C2-7039DE6ED256}"/>
+                <a16:creationId xmlns:a16="http://schemas.microsoft.com/office/drawing/2014/main" id="{4C18125B-E7AB-7C2C-A8A3-2BC6904B95EA}"/>
               </a:ext>
             </a:extLst>
           </p:cNvPr>
@@ -2116,7 +2116,7 @@
           <a:bodyPr/>
           <a:lstStyle/>
           <a:p>
-            <a:fld id="{83499626-8133-4296-9E27-4B19B1233D12}" type="slidenum">
+            <a:fld id="{2BA2392F-79BF-4E1C-8C99-EAC1B211FDE8}" type="slidenum">
               <a:rPr lang="zh-CN" altLang="en-US" smtClean="0"/>
               <a:t>‹#›</a:t>
             </a:fld>
@@ -2127,7 +2127,7 @@
     </p:spTree>
     <p:extLst>
       <p:ext uri="{BB962C8B-B14F-4D97-AF65-F5344CB8AC3E}">
-        <p14:creationId xmlns:p14="http://schemas.microsoft.com/office/powerpoint/2010/main" val="4170390154"/>
+        <p14:creationId xmlns:p14="http://schemas.microsoft.com/office/powerpoint/2010/main" val="531129223"/>
       </p:ext>
     </p:extLst>
   </p:cSld>
@@ -2159,7 +2159,7 @@
           <p:cNvPr id="2" name="标题 1">
             <a:extLst>
               <a:ext uri="{FF2B5EF4-FFF2-40B4-BE49-F238E27FC236}">
-                <a16:creationId xmlns:a16="http://schemas.microsoft.com/office/drawing/2014/main" id="{56AA7EB4-841E-6693-C8B5-3113A0D98889}"/>
+                <a16:creationId xmlns:a16="http://schemas.microsoft.com/office/drawing/2014/main" id="{E465F203-B681-07AC-539F-BC09DB06E0AE}"/>
               </a:ext>
             </a:extLst>
           </p:cNvPr>
@@ -2196,7 +2196,7 @@
           <p:cNvPr id="3" name="内容占位符 2">
             <a:extLst>
               <a:ext uri="{FF2B5EF4-FFF2-40B4-BE49-F238E27FC236}">
-                <a16:creationId xmlns:a16="http://schemas.microsoft.com/office/drawing/2014/main" id="{702185AA-382E-1A0D-15DE-02D2D6BE30AE}"/>
+                <a16:creationId xmlns:a16="http://schemas.microsoft.com/office/drawing/2014/main" id="{8ECFE201-0957-C46B-7979-286B5D849CE9}"/>
               </a:ext>
             </a:extLst>
           </p:cNvPr>
@@ -2286,7 +2286,7 @@
           <p:cNvPr id="4" name="文本占位符 3">
             <a:extLst>
               <a:ext uri="{FF2B5EF4-FFF2-40B4-BE49-F238E27FC236}">
-                <a16:creationId xmlns:a16="http://schemas.microsoft.com/office/drawing/2014/main" id="{EF96FF24-9351-0DCF-0DDE-37B912612ECC}"/>
+                <a16:creationId xmlns:a16="http://schemas.microsoft.com/office/drawing/2014/main" id="{AC73F8EC-76ED-0277-8F13-C0E6866F35E2}"/>
               </a:ext>
             </a:extLst>
           </p:cNvPr>
@@ -2357,7 +2357,7 @@
           <p:cNvPr id="5" name="日期占位符 4">
             <a:extLst>
               <a:ext uri="{FF2B5EF4-FFF2-40B4-BE49-F238E27FC236}">
-                <a16:creationId xmlns:a16="http://schemas.microsoft.com/office/drawing/2014/main" id="{5ED84AE3-FD80-D758-89BC-CE0713B840D9}"/>
+                <a16:creationId xmlns:a16="http://schemas.microsoft.com/office/drawing/2014/main" id="{2A1EC2E5-C5F9-8683-2F1C-07FD6CA166C6}"/>
               </a:ext>
             </a:extLst>
           </p:cNvPr>
@@ -2373,7 +2373,7 @@
           <a:bodyPr/>
           <a:lstStyle/>
           <a:p>
-            <a:fld id="{11BFF21C-886F-4E84-BE82-9694B870B5E8}" type="datetimeFigureOut">
+            <a:fld id="{5ECF695A-8C97-4624-ADBF-2474E66C3EE3}" type="datetimeFigureOut">
               <a:rPr lang="zh-CN" altLang="en-US" smtClean="0"/>
               <a:t>2024/3/10</a:t>
             </a:fld>
@@ -2386,7 +2386,7 @@
           <p:cNvPr id="6" name="页脚占位符 5">
             <a:extLst>
               <a:ext uri="{FF2B5EF4-FFF2-40B4-BE49-F238E27FC236}">
-                <a16:creationId xmlns:a16="http://schemas.microsoft.com/office/drawing/2014/main" id="{B4ACE6A5-01CD-8748-3635-0C74756D2930}"/>
+                <a16:creationId xmlns:a16="http://schemas.microsoft.com/office/drawing/2014/main" id="{644BCE38-773A-B2CE-3444-94A5B8DB936A}"/>
               </a:ext>
             </a:extLst>
           </p:cNvPr>
@@ -2411,7 +2411,7 @@
           <p:cNvPr id="7" name="灯片编号占位符 6">
             <a:extLst>
               <a:ext uri="{FF2B5EF4-FFF2-40B4-BE49-F238E27FC236}">
-                <a16:creationId xmlns:a16="http://schemas.microsoft.com/office/drawing/2014/main" id="{294F5482-5A60-599D-47F1-9C529890177A}"/>
+                <a16:creationId xmlns:a16="http://schemas.microsoft.com/office/drawing/2014/main" id="{8EAC3DDB-6C8F-2D53-1E5B-ABB8D90DDBA8}"/>
               </a:ext>
             </a:extLst>
           </p:cNvPr>
@@ -2427,7 +2427,7 @@
           <a:bodyPr/>
           <a:lstStyle/>
           <a:p>
-            <a:fld id="{83499626-8133-4296-9E27-4B19B1233D12}" type="slidenum">
+            <a:fld id="{2BA2392F-79BF-4E1C-8C99-EAC1B211FDE8}" type="slidenum">
               <a:rPr lang="zh-CN" altLang="en-US" smtClean="0"/>
               <a:t>‹#›</a:t>
             </a:fld>
@@ -2438,7 +2438,7 @@
     </p:spTree>
     <p:extLst>
       <p:ext uri="{BB962C8B-B14F-4D97-AF65-F5344CB8AC3E}">
-        <p14:creationId xmlns:p14="http://schemas.microsoft.com/office/powerpoint/2010/main" val="727582352"/>
+        <p14:creationId xmlns:p14="http://schemas.microsoft.com/office/powerpoint/2010/main" val="474356749"/>
       </p:ext>
     </p:extLst>
   </p:cSld>
@@ -2470,7 +2470,7 @@
           <p:cNvPr id="2" name="标题 1">
             <a:extLst>
               <a:ext uri="{FF2B5EF4-FFF2-40B4-BE49-F238E27FC236}">
-                <a16:creationId xmlns:a16="http://schemas.microsoft.com/office/drawing/2014/main" id="{2F1D7083-4751-EC89-E086-89AF9A89AC3D}"/>
+                <a16:creationId xmlns:a16="http://schemas.microsoft.com/office/drawing/2014/main" id="{B409262A-06D0-4912-EED1-D5D1409F2F5B}"/>
               </a:ext>
             </a:extLst>
           </p:cNvPr>
@@ -2507,7 +2507,7 @@
           <p:cNvPr id="3" name="图片占位符 2">
             <a:extLst>
               <a:ext uri="{FF2B5EF4-FFF2-40B4-BE49-F238E27FC236}">
-                <a16:creationId xmlns:a16="http://schemas.microsoft.com/office/drawing/2014/main" id="{454E1ED8-7171-B287-B89E-F3ECE35CFA5A}"/>
+                <a16:creationId xmlns:a16="http://schemas.microsoft.com/office/drawing/2014/main" id="{824E9A05-2563-FCC3-CD4F-A9D0478A446F}"/>
               </a:ext>
             </a:extLst>
           </p:cNvPr>
@@ -2574,7 +2574,7 @@
           <p:cNvPr id="4" name="文本占位符 3">
             <a:extLst>
               <a:ext uri="{FF2B5EF4-FFF2-40B4-BE49-F238E27FC236}">
-                <a16:creationId xmlns:a16="http://schemas.microsoft.com/office/drawing/2014/main" id="{6615F02A-6220-3F65-E3C5-396C55BDD85D}"/>
+                <a16:creationId xmlns:a16="http://schemas.microsoft.com/office/drawing/2014/main" id="{D6DA5685-838B-0037-2A80-733475ED371B}"/>
               </a:ext>
             </a:extLst>
           </p:cNvPr>
@@ -2645,7 +2645,7 @@
           <p:cNvPr id="5" name="日期占位符 4">
             <a:extLst>
               <a:ext uri="{FF2B5EF4-FFF2-40B4-BE49-F238E27FC236}">
-                <a16:creationId xmlns:a16="http://schemas.microsoft.com/office/drawing/2014/main" id="{6DCAA8FC-1DFE-5DD2-92E5-E118B04DE00C}"/>
+                <a16:creationId xmlns:a16="http://schemas.microsoft.com/office/drawing/2014/main" id="{DFC6C541-83A0-7C61-C704-092DBE426876}"/>
               </a:ext>
             </a:extLst>
           </p:cNvPr>
@@ -2661,7 +2661,7 @@
           <a:bodyPr/>
           <a:lstStyle/>
           <a:p>
-            <a:fld id="{11BFF21C-886F-4E84-BE82-9694B870B5E8}" type="datetimeFigureOut">
+            <a:fld id="{5ECF695A-8C97-4624-ADBF-2474E66C3EE3}" type="datetimeFigureOut">
               <a:rPr lang="zh-CN" altLang="en-US" smtClean="0"/>
               <a:t>2024/3/10</a:t>
             </a:fld>
@@ -2674,7 +2674,7 @@
           <p:cNvPr id="6" name="页脚占位符 5">
             <a:extLst>
               <a:ext uri="{FF2B5EF4-FFF2-40B4-BE49-F238E27FC236}">
-                <a16:creationId xmlns:a16="http://schemas.microsoft.com/office/drawing/2014/main" id="{522AF971-6468-28AD-2060-2A4917C9E3F8}"/>
+                <a16:creationId xmlns:a16="http://schemas.microsoft.com/office/drawing/2014/main" id="{94879622-CDC5-7038-9898-2176BE882A35}"/>
               </a:ext>
             </a:extLst>
           </p:cNvPr>
@@ -2699,7 +2699,7 @@
           <p:cNvPr id="7" name="灯片编号占位符 6">
             <a:extLst>
               <a:ext uri="{FF2B5EF4-FFF2-40B4-BE49-F238E27FC236}">
-                <a16:creationId xmlns:a16="http://schemas.microsoft.com/office/drawing/2014/main" id="{58EFFB74-B792-5930-A387-DAB3AD3DE07D}"/>
+                <a16:creationId xmlns:a16="http://schemas.microsoft.com/office/drawing/2014/main" id="{531784D8-12EB-CE28-0DAB-1CED0A95739D}"/>
               </a:ext>
             </a:extLst>
           </p:cNvPr>
@@ -2715,7 +2715,7 @@
           <a:bodyPr/>
           <a:lstStyle/>
           <a:p>
-            <a:fld id="{83499626-8133-4296-9E27-4B19B1233D12}" type="slidenum">
+            <a:fld id="{2BA2392F-79BF-4E1C-8C99-EAC1B211FDE8}" type="slidenum">
               <a:rPr lang="zh-CN" altLang="en-US" smtClean="0"/>
               <a:t>‹#›</a:t>
             </a:fld>
@@ -2726,7 +2726,7 @@
     </p:spTree>
     <p:extLst>
       <p:ext uri="{BB962C8B-B14F-4D97-AF65-F5344CB8AC3E}">
-        <p14:creationId xmlns:p14="http://schemas.microsoft.com/office/powerpoint/2010/main" val="511928624"/>
+        <p14:creationId xmlns:p14="http://schemas.microsoft.com/office/powerpoint/2010/main" val="2949614027"/>
       </p:ext>
     </p:extLst>
   </p:cSld>
@@ -2763,7 +2763,7 @@
           <p:cNvPr id="2" name="标题占位符 1">
             <a:extLst>
               <a:ext uri="{FF2B5EF4-FFF2-40B4-BE49-F238E27FC236}">
-                <a16:creationId xmlns:a16="http://schemas.microsoft.com/office/drawing/2014/main" id="{AC69C80F-F4C0-198F-F944-9A9E0F5BDCC8}"/>
+                <a16:creationId xmlns:a16="http://schemas.microsoft.com/office/drawing/2014/main" id="{6A15672D-111A-B38E-262B-32A4F8E5306B}"/>
               </a:ext>
             </a:extLst>
           </p:cNvPr>
@@ -2801,7 +2801,7 @@
           <p:cNvPr id="3" name="文本占位符 2">
             <a:extLst>
               <a:ext uri="{FF2B5EF4-FFF2-40B4-BE49-F238E27FC236}">
-                <a16:creationId xmlns:a16="http://schemas.microsoft.com/office/drawing/2014/main" id="{B6B3A16C-E369-D878-228A-C7C3DC0124B9}"/>
+                <a16:creationId xmlns:a16="http://schemas.microsoft.com/office/drawing/2014/main" id="{15FD277C-9E91-227F-D6F4-791799D1C6BD}"/>
               </a:ext>
             </a:extLst>
           </p:cNvPr>
@@ -2868,7 +2868,7 @@
           <p:cNvPr id="4" name="日期占位符 3">
             <a:extLst>
               <a:ext uri="{FF2B5EF4-FFF2-40B4-BE49-F238E27FC236}">
-                <a16:creationId xmlns:a16="http://schemas.microsoft.com/office/drawing/2014/main" id="{F87E17FD-0E95-2D32-BA9D-323EC2DC546D}"/>
+                <a16:creationId xmlns:a16="http://schemas.microsoft.com/office/drawing/2014/main" id="{95F22C1C-0D52-5B05-72CD-AFC3A29E7EF0}"/>
               </a:ext>
             </a:extLst>
           </p:cNvPr>
@@ -2902,7 +2902,7 @@
             </a:lvl1pPr>
           </a:lstStyle>
           <a:p>
-            <a:fld id="{11BFF21C-886F-4E84-BE82-9694B870B5E8}" type="datetimeFigureOut">
+            <a:fld id="{5ECF695A-8C97-4624-ADBF-2474E66C3EE3}" type="datetimeFigureOut">
               <a:rPr lang="zh-CN" altLang="en-US" smtClean="0"/>
               <a:t>2024/3/10</a:t>
             </a:fld>
@@ -2915,7 +2915,7 @@
           <p:cNvPr id="5" name="页脚占位符 4">
             <a:extLst>
               <a:ext uri="{FF2B5EF4-FFF2-40B4-BE49-F238E27FC236}">
-                <a16:creationId xmlns:a16="http://schemas.microsoft.com/office/drawing/2014/main" id="{629B7239-34FB-9ABC-BCDC-18405B884E47}"/>
+                <a16:creationId xmlns:a16="http://schemas.microsoft.com/office/drawing/2014/main" id="{D35EA53C-71CE-DC3A-9FAC-AFEAFE8B901C}"/>
               </a:ext>
             </a:extLst>
           </p:cNvPr>
@@ -2958,7 +2958,7 @@
           <p:cNvPr id="6" name="灯片编号占位符 5">
             <a:extLst>
               <a:ext uri="{FF2B5EF4-FFF2-40B4-BE49-F238E27FC236}">
-                <a16:creationId xmlns:a16="http://schemas.microsoft.com/office/drawing/2014/main" id="{F618EDA9-54E9-8674-8CC5-D430C4AC72CC}"/>
+                <a16:creationId xmlns:a16="http://schemas.microsoft.com/office/drawing/2014/main" id="{BAE2672A-CE19-22F6-7166-7B0030F49D9A}"/>
               </a:ext>
             </a:extLst>
           </p:cNvPr>
@@ -2992,7 +2992,7 @@
             </a:lvl1pPr>
           </a:lstStyle>
           <a:p>
-            <a:fld id="{83499626-8133-4296-9E27-4B19B1233D12}" type="slidenum">
+            <a:fld id="{2BA2392F-79BF-4E1C-8C99-EAC1B211FDE8}" type="slidenum">
               <a:rPr lang="zh-CN" altLang="en-US" smtClean="0"/>
               <a:t>‹#›</a:t>
             </a:fld>
@@ -3003,7 +3003,7 @@
     </p:spTree>
     <p:extLst>
       <p:ext uri="{BB962C8B-B14F-4D97-AF65-F5344CB8AC3E}">
-        <p14:creationId xmlns:p14="http://schemas.microsoft.com/office/powerpoint/2010/main" val="3728706513"/>
+        <p14:creationId xmlns:p14="http://schemas.microsoft.com/office/powerpoint/2010/main" val="4073724963"/>
       </p:ext>
     </p:extLst>
   </p:cSld>
